--- a/산출물/화면정의서.pptx
+++ b/산출물/화면정의서.pptx
@@ -19,17 +19,17 @@
   <p:notesSz cx="6858000" cy="9144000"/>
   <p:embeddedFontLst>
     <p:embeddedFont>
-      <p:font typeface="배달의민족 주아" panose="02020603020101020101" pitchFamily="18" charset="-127"/>
+      <p:font typeface="배달의민족 한나체 Pro" panose="020B0600000101010101" pitchFamily="50" charset="-127"/>
       <p:regular r:id="rId9"/>
     </p:embeddedFont>
     <p:embeddedFont>
-      <p:font typeface="맑은 고딕" panose="020B0503020000020004" pitchFamily="50" charset="-127"/>
+      <p:font typeface="배달의민족 주아" panose="020B0600000101010101" charset="-127"/>
       <p:regular r:id="rId10"/>
-      <p:bold r:id="rId11"/>
     </p:embeddedFont>
     <p:embeddedFont>
-      <p:font typeface="배달의민족 한나체 Pro" panose="020B0600000101010101" pitchFamily="50" charset="-127"/>
-      <p:regular r:id="rId12"/>
+      <p:font typeface="맑은 고딕" panose="020B0503020000020004" pitchFamily="50" charset="-127"/>
+      <p:regular r:id="rId11"/>
+      <p:bold r:id="rId12"/>
     </p:embeddedFont>
   </p:embeddedFontLst>
   <p:defaultTextStyle>
@@ -217,7 +217,7 @@
           <a:p>
             <a:fld id="{6DA5D423-CDDD-42B9-AE6B-214D504ECB6B}" type="datetimeFigureOut">
               <a:rPr lang="ko-KR" altLang="en-US" smtClean="0"/>
-              <a:t>2021-04-07</a:t>
+              <a:t>2021-04-08</a:t>
             </a:fld>
             <a:endParaRPr lang="ko-KR" altLang="en-US"/>
           </a:p>
@@ -616,7 +616,7 @@
           <a:p>
             <a:fld id="{89228369-16BE-4621-AF2F-B3B939425A93}" type="datetimeFigureOut">
               <a:rPr lang="ko-KR" altLang="en-US" smtClean="0"/>
-              <a:t>2021-04-07</a:t>
+              <a:t>2021-04-08</a:t>
             </a:fld>
             <a:endParaRPr lang="ko-KR" altLang="en-US"/>
           </a:p>
@@ -786,7 +786,7 @@
           <a:p>
             <a:fld id="{89228369-16BE-4621-AF2F-B3B939425A93}" type="datetimeFigureOut">
               <a:rPr lang="ko-KR" altLang="en-US" smtClean="0"/>
-              <a:t>2021-04-07</a:t>
+              <a:t>2021-04-08</a:t>
             </a:fld>
             <a:endParaRPr lang="ko-KR" altLang="en-US"/>
           </a:p>
@@ -966,7 +966,7 @@
           <a:p>
             <a:fld id="{89228369-16BE-4621-AF2F-B3B939425A93}" type="datetimeFigureOut">
               <a:rPr lang="ko-KR" altLang="en-US" smtClean="0"/>
-              <a:t>2021-04-07</a:t>
+              <a:t>2021-04-08</a:t>
             </a:fld>
             <a:endParaRPr lang="ko-KR" altLang="en-US"/>
           </a:p>
@@ -1136,7 +1136,7 @@
           <a:p>
             <a:fld id="{89228369-16BE-4621-AF2F-B3B939425A93}" type="datetimeFigureOut">
               <a:rPr lang="ko-KR" altLang="en-US" smtClean="0"/>
-              <a:t>2021-04-07</a:t>
+              <a:t>2021-04-08</a:t>
             </a:fld>
             <a:endParaRPr lang="ko-KR" altLang="en-US"/>
           </a:p>
@@ -1382,7 +1382,7 @@
           <a:p>
             <a:fld id="{89228369-16BE-4621-AF2F-B3B939425A93}" type="datetimeFigureOut">
               <a:rPr lang="ko-KR" altLang="en-US" smtClean="0"/>
-              <a:t>2021-04-07</a:t>
+              <a:t>2021-04-08</a:t>
             </a:fld>
             <a:endParaRPr lang="ko-KR" altLang="en-US"/>
           </a:p>
@@ -1614,7 +1614,7 @@
           <a:p>
             <a:fld id="{89228369-16BE-4621-AF2F-B3B939425A93}" type="datetimeFigureOut">
               <a:rPr lang="ko-KR" altLang="en-US" smtClean="0"/>
-              <a:t>2021-04-07</a:t>
+              <a:t>2021-04-08</a:t>
             </a:fld>
             <a:endParaRPr lang="ko-KR" altLang="en-US"/>
           </a:p>
@@ -1981,7 +1981,7 @@
           <a:p>
             <a:fld id="{89228369-16BE-4621-AF2F-B3B939425A93}" type="datetimeFigureOut">
               <a:rPr lang="ko-KR" altLang="en-US" smtClean="0"/>
-              <a:t>2021-04-07</a:t>
+              <a:t>2021-04-08</a:t>
             </a:fld>
             <a:endParaRPr lang="ko-KR" altLang="en-US"/>
           </a:p>
@@ -2099,7 +2099,7 @@
           <a:p>
             <a:fld id="{89228369-16BE-4621-AF2F-B3B939425A93}" type="datetimeFigureOut">
               <a:rPr lang="ko-KR" altLang="en-US" smtClean="0"/>
-              <a:t>2021-04-07</a:t>
+              <a:t>2021-04-08</a:t>
             </a:fld>
             <a:endParaRPr lang="ko-KR" altLang="en-US"/>
           </a:p>
@@ -2194,7 +2194,7 @@
           <a:p>
             <a:fld id="{89228369-16BE-4621-AF2F-B3B939425A93}" type="datetimeFigureOut">
               <a:rPr lang="ko-KR" altLang="en-US" smtClean="0"/>
-              <a:t>2021-04-07</a:t>
+              <a:t>2021-04-08</a:t>
             </a:fld>
             <a:endParaRPr lang="ko-KR" altLang="en-US"/>
           </a:p>
@@ -2471,7 +2471,7 @@
           <a:p>
             <a:fld id="{89228369-16BE-4621-AF2F-B3B939425A93}" type="datetimeFigureOut">
               <a:rPr lang="ko-KR" altLang="en-US" smtClean="0"/>
-              <a:t>2021-04-07</a:t>
+              <a:t>2021-04-08</a:t>
             </a:fld>
             <a:endParaRPr lang="ko-KR" altLang="en-US"/>
           </a:p>
@@ -2724,7 +2724,7 @@
           <a:p>
             <a:fld id="{89228369-16BE-4621-AF2F-B3B939425A93}" type="datetimeFigureOut">
               <a:rPr lang="ko-KR" altLang="en-US" smtClean="0"/>
-              <a:t>2021-04-07</a:t>
+              <a:t>2021-04-08</a:t>
             </a:fld>
             <a:endParaRPr lang="ko-KR" altLang="en-US"/>
           </a:p>
@@ -2937,7 +2937,7 @@
           <a:p>
             <a:fld id="{89228369-16BE-4621-AF2F-B3B939425A93}" type="datetimeFigureOut">
               <a:rPr lang="ko-KR" altLang="en-US" smtClean="0"/>
-              <a:t>2021-04-07</a:t>
+              <a:t>2021-04-08</a:t>
             </a:fld>
             <a:endParaRPr lang="ko-KR" altLang="en-US"/>
           </a:p>
@@ -9167,7 +9167,7 @@
         <p:spPr>
           <a:xfrm>
             <a:off x="8675768" y="2528374"/>
-            <a:ext cx="3498454" cy="2862322"/>
+            <a:ext cx="3498454" cy="2308324"/>
           </a:xfrm>
           <a:prstGeom prst="rect">
             <a:avLst/>
@@ -9296,11 +9296,25 @@
               <a:t>   </a:t>
             </a:r>
             <a:r>
+              <a:rPr lang="en-US" altLang="ko-KR" dirty="0" smtClean="0">
+                <a:latin typeface="배달의민족 한나체 Pro" panose="020B0600000101010101" pitchFamily="50" charset="-127"/>
+                <a:ea typeface="배달의민족 한나체 Pro" panose="020B0600000101010101" pitchFamily="50" charset="-127"/>
+              </a:rPr>
+              <a:t> </a:t>
+            </a:r>
+            <a:r>
               <a:rPr lang="ko-KR" altLang="en-US" dirty="0" smtClean="0">
                 <a:latin typeface="배달의민족 한나체 Pro" panose="020B0600000101010101" pitchFamily="50" charset="-127"/>
                 <a:ea typeface="배달의민족 한나체 Pro" panose="020B0600000101010101" pitchFamily="50" charset="-127"/>
               </a:rPr>
-              <a:t>탭으로 이동할 수 있습니다</a:t>
+              <a:t>탭으로 </a:t>
+            </a:r>
+            <a:r>
+              <a:rPr lang="ko-KR" altLang="en-US" dirty="0" smtClean="0">
+                <a:latin typeface="배달의민족 한나체 Pro" panose="020B0600000101010101" pitchFamily="50" charset="-127"/>
+                <a:ea typeface="배달의민족 한나체 Pro" panose="020B0600000101010101" pitchFamily="50" charset="-127"/>
+              </a:rPr>
+              <a:t>이동할 수 있습니다</a:t>
             </a:r>
             <a:r>
               <a:rPr lang="en-US" altLang="ko-KR" dirty="0" smtClean="0">
@@ -12821,7 +12835,7 @@
         </p:nvSpPr>
         <p:spPr>
           <a:xfrm>
-            <a:off x="68981" y="498252"/>
+            <a:off x="76838" y="465104"/>
             <a:ext cx="3683282" cy="369332"/>
           </a:xfrm>
           <a:prstGeom prst="rect">
@@ -12854,7 +12868,14 @@
                 <a:latin typeface="배달의민족 주아" panose="02020603020101020101" pitchFamily="18" charset="-127"/>
                 <a:ea typeface="배달의민족 주아" panose="02020603020101020101" pitchFamily="18" charset="-127"/>
               </a:rPr>
-              <a:t>고객 등록 </a:t>
+              <a:t>고객 </a:t>
+            </a:r>
+            <a:r>
+              <a:rPr lang="ko-KR" altLang="en-US" dirty="0" smtClean="0">
+                <a:latin typeface="배달의민족 주아" panose="02020603020101020101" pitchFamily="18" charset="-127"/>
+                <a:ea typeface="배달의민족 주아" panose="02020603020101020101" pitchFamily="18" charset="-127"/>
+              </a:rPr>
+              <a:t>정보 수정 </a:t>
             </a:r>
             <a:r>
               <a:rPr lang="en-US" altLang="ko-KR" dirty="0" smtClean="0">
@@ -13022,11 +13043,32 @@
           </a:p>
           <a:p>
             <a:r>
+              <a:rPr lang="en-US" altLang="ko-KR" dirty="0">
+                <a:latin typeface="배달의민족 한나체 Pro" panose="020B0600000101010101" pitchFamily="50" charset="-127"/>
+                <a:ea typeface="배달의민족 한나체 Pro" panose="020B0600000101010101" pitchFamily="50" charset="-127"/>
+              </a:rPr>
+              <a:t> </a:t>
+            </a:r>
+            <a:r>
+              <a:rPr lang="en-US" altLang="ko-KR" dirty="0" smtClean="0">
+                <a:latin typeface="배달의민족 한나체 Pro" panose="020B0600000101010101" pitchFamily="50" charset="-127"/>
+                <a:ea typeface="배달의민족 한나체 Pro" panose="020B0600000101010101" pitchFamily="50" charset="-127"/>
+              </a:rPr>
+              <a:t>   </a:t>
+            </a:r>
+            <a:r>
               <a:rPr lang="ko-KR" altLang="en-US" dirty="0" smtClean="0">
                 <a:latin typeface="배달의민족 한나체 Pro" panose="020B0600000101010101" pitchFamily="50" charset="-127"/>
                 <a:ea typeface="배달의민족 한나체 Pro" panose="020B0600000101010101" pitchFamily="50" charset="-127"/>
               </a:rPr>
-              <a:t>할 수 있습니다</a:t>
+              <a:t>할 </a:t>
+            </a:r>
+            <a:r>
+              <a:rPr lang="ko-KR" altLang="en-US" dirty="0" smtClean="0">
+                <a:latin typeface="배달의민족 한나체 Pro" panose="020B0600000101010101" pitchFamily="50" charset="-127"/>
+                <a:ea typeface="배달의민족 한나체 Pro" panose="020B0600000101010101" pitchFamily="50" charset="-127"/>
+              </a:rPr>
+              <a:t>수 있습니다</a:t>
             </a:r>
             <a:r>
               <a:rPr lang="en-US" altLang="ko-KR" dirty="0" smtClean="0">
